--- a/presentacions/REVISIO2_presentacio_23_03_2018.pptx
+++ b/presentacions/REVISIO2_presentacio_23_03_2018.pptx
@@ -264,7 +264,7 @@
             <a:fld id="{D83FDC75-7F73-4A4A-A77C-09AADF00E0EA}" type="datetimeFigureOut">
               <a:rPr lang="es-ES" smtClean="0"/>
               <a:pPr/>
-              <a:t>13/04/2018</a:t>
+              <a:t>12/05/2018</a:t>
             </a:fld>
             <a:endParaRPr lang="es-ES" dirty="0"/>
           </a:p>
@@ -6975,66 +6975,63 @@
               <a:rPr lang="es-ES" dirty="0" smtClean="0"/>
               <a:t>.</a:t>
             </a:r>
+          </a:p>
+          <a:p>
+            <a:r>
+              <a:rPr lang="es-ES" dirty="0" smtClean="0"/>
+              <a:t>EPANET</a:t>
+            </a:r>
+          </a:p>
+          <a:p>
+            <a:pPr lvl="1"/>
+            <a:r>
+              <a:rPr lang="es-ES" dirty="0" err="1" smtClean="0"/>
+              <a:t>Components</a:t>
+            </a:r>
+            <a:r>
+              <a:rPr lang="es-ES" dirty="0" smtClean="0"/>
+              <a:t>.</a:t>
+            </a:r>
+          </a:p>
+          <a:p>
+            <a:pPr lvl="1"/>
+            <a:r>
+              <a:rPr lang="es-ES" dirty="0" err="1" smtClean="0"/>
+              <a:t>Exemple</a:t>
+            </a:r>
+            <a:r>
+              <a:rPr lang="es-ES" dirty="0" smtClean="0"/>
+              <a:t> (Manual)</a:t>
+            </a:r>
+          </a:p>
+          <a:p>
+            <a:pPr lvl="1"/>
+            <a:r>
+              <a:rPr lang="es-ES" dirty="0" err="1" smtClean="0"/>
+              <a:t>Exemple</a:t>
+            </a:r>
+            <a:r>
+              <a:rPr lang="es-ES" dirty="0" smtClean="0"/>
+              <a:t> Net3</a:t>
+            </a:r>
+          </a:p>
+          <a:p>
+            <a:r>
+              <a:rPr lang="es-ES" dirty="0" err="1" smtClean="0"/>
+              <a:t>Integrants</a:t>
+            </a:r>
+            <a:r>
+              <a:rPr lang="es-ES" dirty="0" smtClean="0"/>
+              <a:t> del </a:t>
+            </a:r>
+            <a:r>
+              <a:rPr lang="es-ES" dirty="0" err="1" smtClean="0"/>
+              <a:t>projecte</a:t>
+            </a:r>
             <a:endParaRPr lang="es-ES" dirty="0" smtClean="0"/>
           </a:p>
           <a:p>
             <a:r>
-              <a:rPr lang="es-ES" dirty="0" smtClean="0"/>
-              <a:t>EPANET</a:t>
-            </a:r>
-            <a:endParaRPr lang="es-ES" dirty="0" smtClean="0"/>
-          </a:p>
-          <a:p>
-            <a:pPr lvl="1"/>
-            <a:r>
-              <a:rPr lang="es-ES" dirty="0" err="1" smtClean="0"/>
-              <a:t>Components</a:t>
-            </a:r>
-            <a:r>
-              <a:rPr lang="es-ES" dirty="0" smtClean="0"/>
-              <a:t>.</a:t>
-            </a:r>
-          </a:p>
-          <a:p>
-            <a:pPr lvl="1"/>
-            <a:r>
-              <a:rPr lang="es-ES" dirty="0" err="1" smtClean="0"/>
-              <a:t>Exemple</a:t>
-            </a:r>
-            <a:r>
-              <a:rPr lang="es-ES" dirty="0" smtClean="0"/>
-              <a:t> (Manual)</a:t>
-            </a:r>
-          </a:p>
-          <a:p>
-            <a:pPr lvl="1"/>
-            <a:r>
-              <a:rPr lang="es-ES" dirty="0" err="1" smtClean="0"/>
-              <a:t>Exemple</a:t>
-            </a:r>
-            <a:r>
-              <a:rPr lang="es-ES" dirty="0" smtClean="0"/>
-              <a:t> Net3</a:t>
-            </a:r>
-            <a:endParaRPr lang="es-ES" dirty="0" smtClean="0"/>
-          </a:p>
-          <a:p>
-            <a:r>
-              <a:rPr lang="es-ES" dirty="0" err="1" smtClean="0"/>
-              <a:t>Integrants</a:t>
-            </a:r>
-            <a:r>
-              <a:rPr lang="es-ES" dirty="0" smtClean="0"/>
-              <a:t> del </a:t>
-            </a:r>
-            <a:r>
-              <a:rPr lang="es-ES" dirty="0" err="1" smtClean="0"/>
-              <a:t>projecte</a:t>
-            </a:r>
-            <a:endParaRPr lang="es-ES" dirty="0" smtClean="0"/>
-          </a:p>
-          <a:p>
-            <a:r>
               <a:rPr lang="es-ES" dirty="0" err="1" smtClean="0"/>
               <a:t>Planificació</a:t>
             </a:r>
@@ -7050,7 +7047,6 @@
               <a:rPr lang="es-ES" dirty="0" smtClean="0"/>
               <a:t> entrega</a:t>
             </a:r>
-            <a:endParaRPr lang="es-ES" dirty="0" smtClean="0"/>
           </a:p>
           <a:p>
             <a:endParaRPr lang="es-ES" dirty="0" smtClean="0"/>
@@ -7400,15 +7396,7 @@
             </a:r>
             <a:r>
               <a:rPr lang="es-ES" dirty="0" smtClean="0"/>
-              <a:t> </a:t>
-            </a:r>
-            <a:r>
-              <a:rPr lang="es-ES" dirty="0" smtClean="0"/>
-              <a:t>EPANET, </a:t>
-            </a:r>
-            <a:r>
-              <a:rPr lang="es-ES" dirty="0" smtClean="0"/>
-              <a:t>he </a:t>
+              <a:t> EPANET, he </a:t>
             </a:r>
             <a:r>
               <a:rPr lang="es-ES" dirty="0" err="1" smtClean="0"/>
@@ -7571,11 +7559,7 @@
             </a:r>
             <a:r>
               <a:rPr lang="es-ES" dirty="0" smtClean="0"/>
-              <a:t> </a:t>
-            </a:r>
-            <a:r>
-              <a:rPr lang="es-ES" dirty="0" smtClean="0"/>
-              <a:t>i es </a:t>
+              <a:t> i es </a:t>
             </a:r>
             <a:r>
               <a:rPr lang="es-ES" dirty="0" err="1" smtClean="0"/>
@@ -7583,11 +7567,7 @@
             </a:r>
             <a:r>
               <a:rPr lang="es-ES" dirty="0" smtClean="0"/>
-              <a:t> </a:t>
-            </a:r>
-            <a:r>
-              <a:rPr lang="es-ES" dirty="0" smtClean="0"/>
-              <a:t>en </a:t>
+              <a:t> en </a:t>
             </a:r>
             <a:r>
               <a:rPr lang="es-ES" dirty="0" err="1" smtClean="0"/>
@@ -7826,15 +7806,7 @@
             </a:r>
             <a:r>
               <a:rPr lang="es-ES" dirty="0" smtClean="0"/>
-              <a:t> </a:t>
-            </a:r>
-            <a:r>
-              <a:rPr lang="es-ES" dirty="0" smtClean="0"/>
-              <a:t>la</a:t>
-            </a:r>
-            <a:r>
-              <a:rPr lang="es-ES" dirty="0" smtClean="0"/>
-              <a:t> </a:t>
+              <a:t> la </a:t>
             </a:r>
             <a:r>
               <a:rPr lang="es-ES" dirty="0" err="1" smtClean="0"/>
@@ -8497,15 +8469,7 @@
             </a:r>
             <a:r>
               <a:rPr lang="es-ES" dirty="0" smtClean="0"/>
-              <a:t> </a:t>
-            </a:r>
-            <a:r>
-              <a:rPr lang="es-ES" dirty="0" smtClean="0"/>
-              <a:t>Net3, </a:t>
-            </a:r>
-            <a:r>
-              <a:rPr lang="es-ES" dirty="0" smtClean="0"/>
-              <a:t>EPANET</a:t>
+              <a:t> Net3, EPANET</a:t>
             </a:r>
             <a:endParaRPr lang="es-ES" dirty="0"/>
           </a:p>
@@ -8760,13 +8724,8 @@
             </a:r>
             <a:r>
               <a:rPr lang="es-ES" dirty="0" smtClean="0"/>
-              <a:t> que té </a:t>
-            </a:r>
-            <a:r>
-              <a:rPr lang="es-ES" dirty="0" smtClean="0"/>
-              <a:t>TEVA-SPOT.</a:t>
-            </a:r>
-            <a:endParaRPr lang="es-ES" dirty="0" smtClean="0"/>
+              <a:t> que té TEVA-SPOT.</a:t>
+            </a:r>
           </a:p>
           <a:p>
             <a:pPr marL="0" indent="0">
